--- a/lecture_notes/week1/lecture2_problem/lec2problem.pptx
+++ b/lecture_notes/week1/lecture2_problem/lec2problem.pptx
@@ -112,6 +112,14 @@
 </p:presentation>
 </file>
 
+<file path=ppt/revisionInfo.xml><?xml version="1.0" encoding="utf-8"?>
+<p1510:revInfo xmlns:a="http://schemas.openxmlformats.org/drawingml/2006/main" xmlns:r="http://schemas.openxmlformats.org/officeDocument/2006/relationships" xmlns:p1510="http://schemas.microsoft.com/office/powerpoint/2015/10/main">
+  <p1510:revLst>
+    <p1510:client id="{683B0EA0-D924-407F-9685-3D3FD261223B}" v="1" dt="2023-05-12T17:48:47.020"/>
+  </p1510:revLst>
+</p1510:revInfo>
+</file>
+
 <file path=ppt/slideLayouts/slideLayout1.xml><?xml version="1.0" encoding="utf-8"?>
 <p:sldLayout xmlns:a="http://schemas.openxmlformats.org/drawingml/2006/main" xmlns:r="http://schemas.openxmlformats.org/officeDocument/2006/relationships" xmlns:p="http://schemas.openxmlformats.org/presentationml/2006/main" type="title" preserve="1">
   <p:cSld name="Title Slide">
@@ -261,7 +269,7 @@
           <a:p>
             <a:fld id="{7EA1EDB4-411D-40F7-9862-80706FAF2A0A}" type="datetimeFigureOut">
               <a:rPr lang="en-AU" smtClean="0"/>
-              <a:t>9/05/2023</a:t>
+              <a:t>12/05/2023</a:t>
             </a:fld>
             <a:endParaRPr lang="en-AU"/>
           </a:p>
@@ -461,7 +469,7 @@
           <a:p>
             <a:fld id="{7EA1EDB4-411D-40F7-9862-80706FAF2A0A}" type="datetimeFigureOut">
               <a:rPr lang="en-AU" smtClean="0"/>
-              <a:t>9/05/2023</a:t>
+              <a:t>12/05/2023</a:t>
             </a:fld>
             <a:endParaRPr lang="en-AU"/>
           </a:p>
@@ -671,7 +679,7 @@
           <a:p>
             <a:fld id="{7EA1EDB4-411D-40F7-9862-80706FAF2A0A}" type="datetimeFigureOut">
               <a:rPr lang="en-AU" smtClean="0"/>
-              <a:t>9/05/2023</a:t>
+              <a:t>12/05/2023</a:t>
             </a:fld>
             <a:endParaRPr lang="en-AU"/>
           </a:p>
@@ -871,7 +879,7 @@
           <a:p>
             <a:fld id="{7EA1EDB4-411D-40F7-9862-80706FAF2A0A}" type="datetimeFigureOut">
               <a:rPr lang="en-AU" smtClean="0"/>
-              <a:t>9/05/2023</a:t>
+              <a:t>12/05/2023</a:t>
             </a:fld>
             <a:endParaRPr lang="en-AU"/>
           </a:p>
@@ -1147,7 +1155,7 @@
           <a:p>
             <a:fld id="{7EA1EDB4-411D-40F7-9862-80706FAF2A0A}" type="datetimeFigureOut">
               <a:rPr lang="en-AU" smtClean="0"/>
-              <a:t>9/05/2023</a:t>
+              <a:t>12/05/2023</a:t>
             </a:fld>
             <a:endParaRPr lang="en-AU"/>
           </a:p>
@@ -1415,7 +1423,7 @@
           <a:p>
             <a:fld id="{7EA1EDB4-411D-40F7-9862-80706FAF2A0A}" type="datetimeFigureOut">
               <a:rPr lang="en-AU" smtClean="0"/>
-              <a:t>9/05/2023</a:t>
+              <a:t>12/05/2023</a:t>
             </a:fld>
             <a:endParaRPr lang="en-AU"/>
           </a:p>
@@ -1830,7 +1838,7 @@
           <a:p>
             <a:fld id="{7EA1EDB4-411D-40F7-9862-80706FAF2A0A}" type="datetimeFigureOut">
               <a:rPr lang="en-AU" smtClean="0"/>
-              <a:t>9/05/2023</a:t>
+              <a:t>12/05/2023</a:t>
             </a:fld>
             <a:endParaRPr lang="en-AU"/>
           </a:p>
@@ -1972,7 +1980,7 @@
           <a:p>
             <a:fld id="{7EA1EDB4-411D-40F7-9862-80706FAF2A0A}" type="datetimeFigureOut">
               <a:rPr lang="en-AU" smtClean="0"/>
-              <a:t>9/05/2023</a:t>
+              <a:t>12/05/2023</a:t>
             </a:fld>
             <a:endParaRPr lang="en-AU"/>
           </a:p>
@@ -2085,7 +2093,7 @@
           <a:p>
             <a:fld id="{7EA1EDB4-411D-40F7-9862-80706FAF2A0A}" type="datetimeFigureOut">
               <a:rPr lang="en-AU" smtClean="0"/>
-              <a:t>9/05/2023</a:t>
+              <a:t>12/05/2023</a:t>
             </a:fld>
             <a:endParaRPr lang="en-AU"/>
           </a:p>
@@ -2398,7 +2406,7 @@
           <a:p>
             <a:fld id="{7EA1EDB4-411D-40F7-9862-80706FAF2A0A}" type="datetimeFigureOut">
               <a:rPr lang="en-AU" smtClean="0"/>
-              <a:t>9/05/2023</a:t>
+              <a:t>12/05/2023</a:t>
             </a:fld>
             <a:endParaRPr lang="en-AU"/>
           </a:p>
@@ -2687,7 +2695,7 @@
           <a:p>
             <a:fld id="{7EA1EDB4-411D-40F7-9862-80706FAF2A0A}" type="datetimeFigureOut">
               <a:rPr lang="en-AU" smtClean="0"/>
-              <a:t>9/05/2023</a:t>
+              <a:t>12/05/2023</a:t>
             </a:fld>
             <a:endParaRPr lang="en-AU"/>
           </a:p>
@@ -2930,7 +2938,7 @@
           <a:p>
             <a:fld id="{7EA1EDB4-411D-40F7-9862-80706FAF2A0A}" type="datetimeFigureOut">
               <a:rPr lang="en-AU" smtClean="0"/>
-              <a:t>9/05/2023</a:t>
+              <a:t>12/05/2023</a:t>
             </a:fld>
             <a:endParaRPr lang="en-AU"/>
           </a:p>
@@ -4190,7 +4198,7 @@
           <a:lstStyle/>
           <a:p>
             <a:r>
-              <a:rPr lang="en-CA" dirty="0" err="1"/>
+              <a:rPr lang="en-CA" dirty="0"/>
               <a:t>arr</a:t>
             </a:r>
             <a:endParaRPr lang="en-AU" dirty="0"/>
@@ -4563,6 +4571,59 @@
 </file>
 
 <file path=customXml/item2.xml><?xml version="1.0" encoding="utf-8"?>
+<p:properties xmlns:p="http://schemas.microsoft.com/office/2006/metadata/properties" xmlns:xsi="http://www.w3.org/2001/XMLSchema-instance" xmlns:pc="http://schemas.microsoft.com/office/infopath/2007/PartnerControls">
+  <documentManagement>
+    <Invited_Members xmlns="9a2eabdb-1ee4-4f92-bdbc-dad65dc958ef" xsi:nil="true"/>
+    <Templates xmlns="9a2eabdb-1ee4-4f92-bdbc-dad65dc958ef" xsi:nil="true"/>
+    <Self_Registration_Enabled xmlns="9a2eabdb-1ee4-4f92-bdbc-dad65dc958ef" xsi:nil="true"/>
+    <Has_Leaders_Only_SectionGroup xmlns="9a2eabdb-1ee4-4f92-bdbc-dad65dc958ef" xsi:nil="true"/>
+    <Leaders xmlns="9a2eabdb-1ee4-4f92-bdbc-dad65dc958ef">
+      <UserInfo>
+        <DisplayName/>
+        <AccountId xsi:nil="true"/>
+        <AccountType/>
+      </UserInfo>
+    </Leaders>
+    <Is_Collaboration_Space_Locked xmlns="9a2eabdb-1ee4-4f92-bdbc-dad65dc958ef" xsi:nil="true"/>
+    <Teams_Channel_Section_Location xmlns="9a2eabdb-1ee4-4f92-bdbc-dad65dc958ef" xsi:nil="true"/>
+    <Math_Settings xmlns="9a2eabdb-1ee4-4f92-bdbc-dad65dc958ef" xsi:nil="true"/>
+    <LMS_Mappings xmlns="9a2eabdb-1ee4-4f92-bdbc-dad65dc958ef" xsi:nil="true"/>
+    <Members xmlns="9a2eabdb-1ee4-4f92-bdbc-dad65dc958ef">
+      <UserInfo>
+        <DisplayName/>
+        <AccountId xsi:nil="true"/>
+        <AccountType/>
+      </UserInfo>
+    </Members>
+    <Member_Groups xmlns="9a2eabdb-1ee4-4f92-bdbc-dad65dc958ef">
+      <UserInfo>
+        <DisplayName/>
+        <AccountId xsi:nil="true"/>
+        <AccountType/>
+      </UserInfo>
+    </Member_Groups>
+    <FolderType xmlns="9a2eabdb-1ee4-4f92-bdbc-dad65dc958ef" xsi:nil="true"/>
+    <Owner xmlns="9a2eabdb-1ee4-4f92-bdbc-dad65dc958ef">
+      <UserInfo>
+        <DisplayName/>
+        <AccountId xsi:nil="true"/>
+        <AccountType/>
+      </UserInfo>
+    </Owner>
+    <Distribution_Groups xmlns="9a2eabdb-1ee4-4f92-bdbc-dad65dc958ef" xsi:nil="true"/>
+    <AppVersion xmlns="9a2eabdb-1ee4-4f92-bdbc-dad65dc958ef" xsi:nil="true"/>
+    <TeamsChannelId xmlns="9a2eabdb-1ee4-4f92-bdbc-dad65dc958ef" xsi:nil="true"/>
+    <Invited_Leaders xmlns="9a2eabdb-1ee4-4f92-bdbc-dad65dc958ef" xsi:nil="true"/>
+    <DefaultSectionNames xmlns="9a2eabdb-1ee4-4f92-bdbc-dad65dc958ef" xsi:nil="true"/>
+    <NotebookType xmlns="9a2eabdb-1ee4-4f92-bdbc-dad65dc958ef" xsi:nil="true"/>
+    <IsNotebookLocked xmlns="9a2eabdb-1ee4-4f92-bdbc-dad65dc958ef" xsi:nil="true"/>
+    <_activity xmlns="9a2eabdb-1ee4-4f92-bdbc-dad65dc958ef" xsi:nil="true"/>
+    <CultureName xmlns="9a2eabdb-1ee4-4f92-bdbc-dad65dc958ef" xsi:nil="true"/>
+  </documentManagement>
+</p:properties>
+</file>
+
+<file path=customXml/item3.xml><?xml version="1.0" encoding="utf-8"?>
 <ct:contentTypeSchema xmlns:ct="http://schemas.microsoft.com/office/2006/metadata/contentType" xmlns:ma="http://schemas.microsoft.com/office/2006/metadata/properties/metaAttributes" ct:_="" ma:_="" ma:contentTypeName="Document" ma:contentTypeID="0x0101003B87EFDBBD78874BBE2BEABF02A0DB53" ma:contentTypeVersion="35" ma:contentTypeDescription="Create a new document." ma:contentTypeScope="" ma:versionID="a0b316ac69d226bb978e31302b74dfc8">
   <xsd:schema xmlns:xsd="http://www.w3.org/2001/XMLSchema" xmlns:xs="http://www.w3.org/2001/XMLSchema" xmlns:p="http://schemas.microsoft.com/office/2006/metadata/properties" xmlns:ns3="9a2eabdb-1ee4-4f92-bdbc-dad65dc958ef" xmlns:ns4="05d46fc5-6089-4754-94c0-384530543e15" targetNamespace="http://schemas.microsoft.com/office/2006/metadata/properties" ma:root="true" ma:fieldsID="099b63985cc54fcb4e07ec47eb71d176" ns3:_="" ns4:_="">
     <xsd:import namespace="9a2eabdb-1ee4-4f92-bdbc-dad65dc958ef"/>
@@ -4985,59 +5046,6 @@
 </ct:contentTypeSchema>
 </file>
 
-<file path=customXml/item3.xml><?xml version="1.0" encoding="utf-8"?>
-<p:properties xmlns:p="http://schemas.microsoft.com/office/2006/metadata/properties" xmlns:xsi="http://www.w3.org/2001/XMLSchema-instance" xmlns:pc="http://schemas.microsoft.com/office/infopath/2007/PartnerControls">
-  <documentManagement>
-    <Invited_Members xmlns="9a2eabdb-1ee4-4f92-bdbc-dad65dc958ef" xsi:nil="true"/>
-    <Templates xmlns="9a2eabdb-1ee4-4f92-bdbc-dad65dc958ef" xsi:nil="true"/>
-    <Self_Registration_Enabled xmlns="9a2eabdb-1ee4-4f92-bdbc-dad65dc958ef" xsi:nil="true"/>
-    <Has_Leaders_Only_SectionGroup xmlns="9a2eabdb-1ee4-4f92-bdbc-dad65dc958ef" xsi:nil="true"/>
-    <Leaders xmlns="9a2eabdb-1ee4-4f92-bdbc-dad65dc958ef">
-      <UserInfo>
-        <DisplayName/>
-        <AccountId xsi:nil="true"/>
-        <AccountType/>
-      </UserInfo>
-    </Leaders>
-    <Is_Collaboration_Space_Locked xmlns="9a2eabdb-1ee4-4f92-bdbc-dad65dc958ef" xsi:nil="true"/>
-    <Teams_Channel_Section_Location xmlns="9a2eabdb-1ee4-4f92-bdbc-dad65dc958ef" xsi:nil="true"/>
-    <Math_Settings xmlns="9a2eabdb-1ee4-4f92-bdbc-dad65dc958ef" xsi:nil="true"/>
-    <LMS_Mappings xmlns="9a2eabdb-1ee4-4f92-bdbc-dad65dc958ef" xsi:nil="true"/>
-    <Members xmlns="9a2eabdb-1ee4-4f92-bdbc-dad65dc958ef">
-      <UserInfo>
-        <DisplayName/>
-        <AccountId xsi:nil="true"/>
-        <AccountType/>
-      </UserInfo>
-    </Members>
-    <Member_Groups xmlns="9a2eabdb-1ee4-4f92-bdbc-dad65dc958ef">
-      <UserInfo>
-        <DisplayName/>
-        <AccountId xsi:nil="true"/>
-        <AccountType/>
-      </UserInfo>
-    </Member_Groups>
-    <FolderType xmlns="9a2eabdb-1ee4-4f92-bdbc-dad65dc958ef" xsi:nil="true"/>
-    <Owner xmlns="9a2eabdb-1ee4-4f92-bdbc-dad65dc958ef">
-      <UserInfo>
-        <DisplayName/>
-        <AccountId xsi:nil="true"/>
-        <AccountType/>
-      </UserInfo>
-    </Owner>
-    <Distribution_Groups xmlns="9a2eabdb-1ee4-4f92-bdbc-dad65dc958ef" xsi:nil="true"/>
-    <AppVersion xmlns="9a2eabdb-1ee4-4f92-bdbc-dad65dc958ef" xsi:nil="true"/>
-    <TeamsChannelId xmlns="9a2eabdb-1ee4-4f92-bdbc-dad65dc958ef" xsi:nil="true"/>
-    <Invited_Leaders xmlns="9a2eabdb-1ee4-4f92-bdbc-dad65dc958ef" xsi:nil="true"/>
-    <DefaultSectionNames xmlns="9a2eabdb-1ee4-4f92-bdbc-dad65dc958ef" xsi:nil="true"/>
-    <NotebookType xmlns="9a2eabdb-1ee4-4f92-bdbc-dad65dc958ef" xsi:nil="true"/>
-    <IsNotebookLocked xmlns="9a2eabdb-1ee4-4f92-bdbc-dad65dc958ef" xsi:nil="true"/>
-    <_activity xmlns="9a2eabdb-1ee4-4f92-bdbc-dad65dc958ef" xsi:nil="true"/>
-    <CultureName xmlns="9a2eabdb-1ee4-4f92-bdbc-dad65dc958ef" xsi:nil="true"/>
-  </documentManagement>
-</p:properties>
-</file>
-
 <file path=customXml/itemProps1.xml><?xml version="1.0" encoding="utf-8"?>
 <ds:datastoreItem xmlns:ds="http://schemas.openxmlformats.org/officeDocument/2006/customXml" ds:itemID="{20E8B198-6FCC-43B0-A347-1F5D4EF9EAA1}">
   <ds:schemaRefs>
@@ -5047,6 +5055,23 @@
 </file>
 
 <file path=customXml/itemProps2.xml><?xml version="1.0" encoding="utf-8"?>
+<ds:datastoreItem xmlns:ds="http://schemas.openxmlformats.org/officeDocument/2006/customXml" ds:itemID="{568574F5-A876-47C3-BB3E-3011A97AE96E}">
+  <ds:schemaRefs>
+    <ds:schemaRef ds:uri="http://schemas.microsoft.com/office/2006/documentManagement/types"/>
+    <ds:schemaRef ds:uri="http://schemas.microsoft.com/office/infopath/2007/PartnerControls"/>
+    <ds:schemaRef ds:uri="http://purl.org/dc/elements/1.1/"/>
+    <ds:schemaRef ds:uri="http://www.w3.org/XML/1998/namespace"/>
+    <ds:schemaRef ds:uri="http://purl.org/dc/terms/"/>
+    <ds:schemaRef ds:uri="http://schemas.openxmlformats.org/package/2006/metadata/core-properties"/>
+    <ds:schemaRef ds:uri="05d46fc5-6089-4754-94c0-384530543e15"/>
+    <ds:schemaRef ds:uri="9a2eabdb-1ee4-4f92-bdbc-dad65dc958ef"/>
+    <ds:schemaRef ds:uri="http://schemas.microsoft.com/office/2006/metadata/properties"/>
+    <ds:schemaRef ds:uri="http://purl.org/dc/dcmitype/"/>
+  </ds:schemaRefs>
+</ds:datastoreItem>
+</file>
+
+<file path=customXml/itemProps3.xml><?xml version="1.0" encoding="utf-8"?>
 <ds:datastoreItem xmlns:ds="http://schemas.openxmlformats.org/officeDocument/2006/customXml" ds:itemID="{90EAA69E-7148-4794-874E-8D9789C8B143}">
   <ds:schemaRefs>
     <ds:schemaRef ds:uri="http://schemas.microsoft.com/office/2006/metadata/contentType"/>
@@ -5063,21 +5088,4 @@
     <ds:schemaRef ds:uri="http://schemas.microsoft.com/internal/obd"/>
   </ds:schemaRefs>
 </ds:datastoreItem>
-</file>
-
-<file path=customXml/itemProps3.xml><?xml version="1.0" encoding="utf-8"?>
-<ds:datastoreItem xmlns:ds="http://schemas.openxmlformats.org/officeDocument/2006/customXml" ds:itemID="{568574F5-A876-47C3-BB3E-3011A97AE96E}">
-  <ds:schemaRefs>
-    <ds:schemaRef ds:uri="http://schemas.microsoft.com/office/2006/documentManagement/types"/>
-    <ds:schemaRef ds:uri="http://schemas.microsoft.com/office/infopath/2007/PartnerControls"/>
-    <ds:schemaRef ds:uri="http://purl.org/dc/elements/1.1/"/>
-    <ds:schemaRef ds:uri="http://www.w3.org/XML/1998/namespace"/>
-    <ds:schemaRef ds:uri="http://purl.org/dc/terms/"/>
-    <ds:schemaRef ds:uri="http://schemas.openxmlformats.org/package/2006/metadata/core-properties"/>
-    <ds:schemaRef ds:uri="05d46fc5-6089-4754-94c0-384530543e15"/>
-    <ds:schemaRef ds:uri="9a2eabdb-1ee4-4f92-bdbc-dad65dc958ef"/>
-    <ds:schemaRef ds:uri="http://schemas.microsoft.com/office/2006/metadata/properties"/>
-    <ds:schemaRef ds:uri="http://purl.org/dc/dcmitype/"/>
-  </ds:schemaRefs>
-</ds:datastoreItem>
 </file>